--- a/gomobile.docs/trunk/gomobile/docs/manual/developer-manual/images/Diagrams.pptx
+++ b/gomobile.docs/trunk/gomobile/docs/manual/developer-manual/images/Diagrams.pptx
@@ -8,7 +8,8 @@
     <p:sldId id="256" r:id="rId2"/>
     <p:sldId id="257" r:id="rId3"/>
     <p:sldId id="258" r:id="rId4"/>
-    <p:sldId id="259" r:id="rId5"/>
+    <p:sldId id="260" r:id="rId5"/>
+    <p:sldId id="259" r:id="rId6"/>
   </p:sldIdLst>
   <p:sldSz cx="9144000" cy="6858000" type="screen4x3"/>
   <p:notesSz cx="6858000" cy="9144000"/>
@@ -292,7 +293,7 @@
             <a:fld id="{606A0E19-4095-DD4B-BEE7-526A527832D2}" type="datetimeFigureOut">
               <a:rPr lang="en-US" smtClean="0"/>
               <a:pPr/>
-              <a:t>4/17/10</a:t>
+              <a:t>11/23/10</a:t>
             </a:fld>
             <a:endParaRPr lang="en-US"/>
           </a:p>
@@ -459,7 +460,7 @@
             <a:fld id="{606A0E19-4095-DD4B-BEE7-526A527832D2}" type="datetimeFigureOut">
               <a:rPr lang="en-US" smtClean="0"/>
               <a:pPr/>
-              <a:t>4/17/10</a:t>
+              <a:t>11/23/10</a:t>
             </a:fld>
             <a:endParaRPr lang="en-US"/>
           </a:p>
@@ -636,7 +637,7 @@
             <a:fld id="{606A0E19-4095-DD4B-BEE7-526A527832D2}" type="datetimeFigureOut">
               <a:rPr lang="en-US" smtClean="0"/>
               <a:pPr/>
-              <a:t>4/17/10</a:t>
+              <a:t>11/23/10</a:t>
             </a:fld>
             <a:endParaRPr lang="en-US"/>
           </a:p>
@@ -803,7 +804,7 @@
             <a:fld id="{606A0E19-4095-DD4B-BEE7-526A527832D2}" type="datetimeFigureOut">
               <a:rPr lang="en-US" smtClean="0"/>
               <a:pPr/>
-              <a:t>4/17/10</a:t>
+              <a:t>11/23/10</a:t>
             </a:fld>
             <a:endParaRPr lang="en-US"/>
           </a:p>
@@ -1046,7 +1047,7 @@
             <a:fld id="{606A0E19-4095-DD4B-BEE7-526A527832D2}" type="datetimeFigureOut">
               <a:rPr lang="en-US" smtClean="0"/>
               <a:pPr/>
-              <a:t>4/17/10</a:t>
+              <a:t>11/23/10</a:t>
             </a:fld>
             <a:endParaRPr lang="en-US"/>
           </a:p>
@@ -1331,7 +1332,7 @@
             <a:fld id="{606A0E19-4095-DD4B-BEE7-526A527832D2}" type="datetimeFigureOut">
               <a:rPr lang="en-US" smtClean="0"/>
               <a:pPr/>
-              <a:t>4/17/10</a:t>
+              <a:t>11/23/10</a:t>
             </a:fld>
             <a:endParaRPr lang="en-US"/>
           </a:p>
@@ -1750,7 +1751,7 @@
             <a:fld id="{606A0E19-4095-DD4B-BEE7-526A527832D2}" type="datetimeFigureOut">
               <a:rPr lang="en-US" smtClean="0"/>
               <a:pPr/>
-              <a:t>4/17/10</a:t>
+              <a:t>11/23/10</a:t>
             </a:fld>
             <a:endParaRPr lang="en-US"/>
           </a:p>
@@ -1865,7 +1866,7 @@
             <a:fld id="{606A0E19-4095-DD4B-BEE7-526A527832D2}" type="datetimeFigureOut">
               <a:rPr lang="en-US" smtClean="0"/>
               <a:pPr/>
-              <a:t>4/17/10</a:t>
+              <a:t>11/23/10</a:t>
             </a:fld>
             <a:endParaRPr lang="en-US"/>
           </a:p>
@@ -1957,7 +1958,7 @@
             <a:fld id="{606A0E19-4095-DD4B-BEE7-526A527832D2}" type="datetimeFigureOut">
               <a:rPr lang="en-US" smtClean="0"/>
               <a:pPr/>
-              <a:t>4/17/10</a:t>
+              <a:t>11/23/10</a:t>
             </a:fld>
             <a:endParaRPr lang="en-US"/>
           </a:p>
@@ -2231,7 +2232,7 @@
             <a:fld id="{606A0E19-4095-DD4B-BEE7-526A527832D2}" type="datetimeFigureOut">
               <a:rPr lang="en-US" smtClean="0"/>
               <a:pPr/>
-              <a:t>4/17/10</a:t>
+              <a:t>11/23/10</a:t>
             </a:fld>
             <a:endParaRPr lang="en-US"/>
           </a:p>
@@ -2481,7 +2482,7 @@
             <a:fld id="{606A0E19-4095-DD4B-BEE7-526A527832D2}" type="datetimeFigureOut">
               <a:rPr lang="en-US" smtClean="0"/>
               <a:pPr/>
-              <a:t>4/17/10</a:t>
+              <a:t>11/23/10</a:t>
             </a:fld>
             <a:endParaRPr lang="en-US"/>
           </a:p>
@@ -2691,7 +2692,7 @@
             <a:fld id="{606A0E19-4095-DD4B-BEE7-526A527832D2}" type="datetimeFigureOut">
               <a:rPr lang="en-US" smtClean="0"/>
               <a:pPr/>
-              <a:t>4/17/10</a:t>
+              <a:t>11/23/10</a:t>
             </a:fld>
             <a:endParaRPr lang="en-US"/>
           </a:p>
@@ -4384,6 +4385,18 @@
           <a:prstGeom prst="snip2SameRect">
             <a:avLst/>
           </a:prstGeom>
+          <a:solidFill>
+            <a:schemeClr val="accent3"/>
+          </a:solidFill>
+          <a:ln w="38100" cap="flat" cmpd="sng" algn="ctr">
+            <a:solidFill>
+              <a:schemeClr val="tx1"/>
+            </a:solidFill>
+            <a:prstDash val="solid"/>
+            <a:round/>
+            <a:headEnd type="none" w="med" len="med"/>
+            <a:tailEnd type="none" w="med" len="med"/>
+          </a:ln>
         </p:spPr>
         <p:style>
           <a:lnRef idx="1">
@@ -4430,6 +4443,18 @@
           <a:prstGeom prst="snip2SameRect">
             <a:avLst/>
           </a:prstGeom>
+          <a:solidFill>
+            <a:schemeClr val="accent3"/>
+          </a:solidFill>
+          <a:ln w="38100" cap="flat" cmpd="sng" algn="ctr">
+            <a:solidFill>
+              <a:schemeClr val="tx1"/>
+            </a:solidFill>
+            <a:prstDash val="solid"/>
+            <a:round/>
+            <a:headEnd type="none" w="med" len="med"/>
+            <a:tailEnd type="none" w="med" len="med"/>
+          </a:ln>
         </p:spPr>
         <p:style>
           <a:lnRef idx="1">
@@ -4476,6 +4501,18 @@
           <a:prstGeom prst="curvedLeftArrow">
             <a:avLst/>
           </a:prstGeom>
+          <a:solidFill>
+            <a:schemeClr val="accent3"/>
+          </a:solidFill>
+          <a:ln w="38100" cap="flat" cmpd="sng" algn="ctr">
+            <a:solidFill>
+              <a:schemeClr val="tx1"/>
+            </a:solidFill>
+            <a:prstDash val="solid"/>
+            <a:round/>
+            <a:headEnd type="none" w="med" len="med"/>
+            <a:tailEnd type="none" w="med" len="med"/>
+          </a:ln>
         </p:spPr>
         <p:style>
           <a:lnRef idx="1">
@@ -4518,6 +4555,18 @@
           <a:prstGeom prst="curvedLeftArrow">
             <a:avLst/>
           </a:prstGeom>
+          <a:solidFill>
+            <a:schemeClr val="accent3"/>
+          </a:solidFill>
+          <a:ln w="38100" cap="flat" cmpd="sng" algn="ctr">
+            <a:solidFill>
+              <a:schemeClr val="tx1"/>
+            </a:solidFill>
+            <a:prstDash val="solid"/>
+            <a:round/>
+            <a:headEnd type="none" w="med" len="med"/>
+            <a:tailEnd type="none" w="med" len="med"/>
+          </a:ln>
         </p:spPr>
         <p:style>
           <a:lnRef idx="1">
@@ -4927,6 +4976,461 @@
 </file>
 
 <file path=ppt/slides/slide4.xml><?xml version="1.0" encoding="utf-8"?>
+<p:sld xmlns:a="http://schemas.openxmlformats.org/drawingml/2006/main" xmlns:r="http://schemas.openxmlformats.org/officeDocument/2006/relationships" xmlns:mc="http://schemas.openxmlformats.org/markup-compatibility/2006" xmlns:mv="urn:schemas-microsoft-com:mac:vml" xmlns:p="http://schemas.openxmlformats.org/presentationml/2006/main" mc:Ignorable="mv" mc:PreserveAttributes="mv:*">
+  <p:cSld>
+    <p:spTree>
+      <p:nvGrpSpPr>
+        <p:cNvPr id="1" name=""/>
+        <p:cNvGrpSpPr/>
+        <p:nvPr/>
+      </p:nvGrpSpPr>
+      <p:grpSpPr>
+        <a:xfrm>
+          <a:off x="0" y="0"/>
+          <a:ext cx="0" cy="0"/>
+          <a:chOff x="0" y="0"/>
+          <a:chExt cx="0" cy="0"/>
+        </a:xfrm>
+      </p:grpSpPr>
+      <p:sp>
+        <p:nvSpPr>
+          <p:cNvPr id="2" name="Otsikko 1"/>
+          <p:cNvSpPr>
+            <a:spLocks noGrp="1"/>
+          </p:cNvSpPr>
+          <p:nvPr>
+            <p:ph type="title"/>
+          </p:nvPr>
+        </p:nvSpPr>
+        <p:spPr/>
+        <p:txBody>
+          <a:bodyPr/>
+          <a:lstStyle/>
+          <a:p>
+            <a:r>
+              <a:rPr lang="fi-FI" dirty="0" err="1" smtClean="0"/>
+              <a:t>Redirecting</a:t>
+            </a:r>
+            <a:r>
+              <a:rPr lang="fi-FI" dirty="0" smtClean="0"/>
+              <a:t> </a:t>
+            </a:r>
+            <a:r>
+              <a:rPr lang="fi-FI" dirty="0" err="1" smtClean="0"/>
+              <a:t>logic</a:t>
+            </a:r>
+            <a:endParaRPr lang="fi-FI" dirty="0"/>
+          </a:p>
+        </p:txBody>
+      </p:sp>
+      <p:sp>
+        <p:nvSpPr>
+          <p:cNvPr id="3" name="Saman puolen kulmista leikattu suorakulmio 2"/>
+          <p:cNvSpPr/>
+          <p:nvPr/>
+        </p:nvSpPr>
+        <p:spPr>
+          <a:xfrm>
+            <a:off x="3657600" y="1600200"/>
+            <a:ext cx="1828800" cy="914400"/>
+          </a:xfrm>
+          <a:prstGeom prst="snip2SameRect">
+            <a:avLst/>
+          </a:prstGeom>
+          <a:solidFill>
+            <a:schemeClr val="accent3"/>
+          </a:solidFill>
+          <a:ln w="38100" cap="flat" cmpd="sng" algn="ctr">
+            <a:solidFill>
+              <a:schemeClr val="tx1"/>
+            </a:solidFill>
+            <a:prstDash val="solid"/>
+            <a:round/>
+            <a:headEnd type="none" w="med" len="med"/>
+            <a:tailEnd type="none" w="med" len="med"/>
+          </a:ln>
+        </p:spPr>
+        <p:style>
+          <a:lnRef idx="1">
+            <a:schemeClr val="accent1"/>
+          </a:lnRef>
+          <a:fillRef idx="3">
+            <a:schemeClr val="accent1"/>
+          </a:fillRef>
+          <a:effectRef idx="2">
+            <a:schemeClr val="accent1"/>
+          </a:effectRef>
+          <a:fontRef idx="minor">
+            <a:schemeClr val="lt1"/>
+          </a:fontRef>
+        </p:style>
+        <p:txBody>
+          <a:bodyPr rtlCol="0" anchor="ctr"/>
+          <a:lstStyle/>
+          <a:p>
+            <a:pPr algn="ctr"/>
+            <a:r>
+              <a:rPr lang="fi-FI" dirty="0" smtClean="0"/>
+              <a:t>Web </a:t>
+            </a:r>
+            <a:r>
+              <a:rPr lang="fi-FI" dirty="0" err="1" smtClean="0"/>
+              <a:t>site</a:t>
+            </a:r>
+            <a:endParaRPr lang="fi-FI" dirty="0"/>
+          </a:p>
+        </p:txBody>
+      </p:sp>
+      <p:sp>
+        <p:nvSpPr>
+          <p:cNvPr id="4" name="Saman puolen kulmista leikattu suorakulmio 3"/>
+          <p:cNvSpPr/>
+          <p:nvPr/>
+        </p:nvSpPr>
+        <p:spPr>
+          <a:xfrm>
+            <a:off x="3657600" y="3886200"/>
+            <a:ext cx="1828800" cy="914400"/>
+          </a:xfrm>
+          <a:prstGeom prst="snip2SameRect">
+            <a:avLst/>
+          </a:prstGeom>
+          <a:solidFill>
+            <a:schemeClr val="accent3"/>
+          </a:solidFill>
+          <a:ln w="38100" cap="flat" cmpd="sng" algn="ctr">
+            <a:solidFill>
+              <a:schemeClr val="tx1"/>
+            </a:solidFill>
+            <a:prstDash val="solid"/>
+            <a:round/>
+            <a:headEnd type="none" w="med" len="med"/>
+            <a:tailEnd type="none" w="med" len="med"/>
+          </a:ln>
+        </p:spPr>
+        <p:style>
+          <a:lnRef idx="1">
+            <a:schemeClr val="accent1"/>
+          </a:lnRef>
+          <a:fillRef idx="3">
+            <a:schemeClr val="accent1"/>
+          </a:fillRef>
+          <a:effectRef idx="2">
+            <a:schemeClr val="accent1"/>
+          </a:effectRef>
+          <a:fontRef idx="minor">
+            <a:schemeClr val="lt1"/>
+          </a:fontRef>
+        </p:style>
+        <p:txBody>
+          <a:bodyPr rtlCol="0" anchor="ctr"/>
+          <a:lstStyle/>
+          <a:p>
+            <a:pPr algn="ctr"/>
+            <a:r>
+              <a:rPr lang="fi-FI" dirty="0" smtClean="0"/>
+              <a:t>Mobile  </a:t>
+            </a:r>
+            <a:r>
+              <a:rPr lang="fi-FI" dirty="0" err="1" smtClean="0"/>
+              <a:t>site</a:t>
+            </a:r>
+            <a:endParaRPr lang="fi-FI" dirty="0"/>
+          </a:p>
+        </p:txBody>
+      </p:sp>
+      <p:sp>
+        <p:nvSpPr>
+          <p:cNvPr id="5" name="Kaarinuoli vasemmalle 4"/>
+          <p:cNvSpPr/>
+          <p:nvPr/>
+        </p:nvSpPr>
+        <p:spPr>
+          <a:xfrm>
+            <a:off x="5715000" y="2209800"/>
+            <a:ext cx="1066800" cy="2362200"/>
+          </a:xfrm>
+          <a:prstGeom prst="curvedLeftArrow">
+            <a:avLst/>
+          </a:prstGeom>
+          <a:solidFill>
+            <a:schemeClr val="accent3"/>
+          </a:solidFill>
+          <a:ln w="38100" cap="flat" cmpd="sng" algn="ctr">
+            <a:solidFill>
+              <a:schemeClr val="tx1"/>
+            </a:solidFill>
+            <a:prstDash val="solid"/>
+            <a:round/>
+            <a:headEnd type="none" w="med" len="med"/>
+            <a:tailEnd type="none" w="med" len="med"/>
+          </a:ln>
+        </p:spPr>
+        <p:style>
+          <a:lnRef idx="1">
+            <a:schemeClr val="accent1"/>
+          </a:lnRef>
+          <a:fillRef idx="3">
+            <a:schemeClr val="accent1"/>
+          </a:fillRef>
+          <a:effectRef idx="2">
+            <a:schemeClr val="accent1"/>
+          </a:effectRef>
+          <a:fontRef idx="minor">
+            <a:schemeClr val="lt1"/>
+          </a:fontRef>
+        </p:style>
+        <p:txBody>
+          <a:bodyPr rtlCol="0" anchor="ctr"/>
+          <a:lstStyle/>
+          <a:p>
+            <a:pPr algn="ctr"/>
+            <a:endParaRPr lang="fi-FI">
+              <a:solidFill>
+                <a:schemeClr val="tx1"/>
+              </a:solidFill>
+            </a:endParaRPr>
+          </a:p>
+        </p:txBody>
+      </p:sp>
+      <p:sp>
+        <p:nvSpPr>
+          <p:cNvPr id="6" name="Kaarinuoli vasemmalle 5"/>
+          <p:cNvSpPr/>
+          <p:nvPr/>
+        </p:nvSpPr>
+        <p:spPr>
+          <a:xfrm flipH="1" flipV="1">
+            <a:off x="2372624" y="2209800"/>
+            <a:ext cx="1066800" cy="2362200"/>
+          </a:xfrm>
+          <a:prstGeom prst="curvedLeftArrow">
+            <a:avLst/>
+          </a:prstGeom>
+          <a:solidFill>
+            <a:schemeClr val="accent3"/>
+          </a:solidFill>
+          <a:ln w="38100" cap="flat" cmpd="sng" algn="ctr">
+            <a:solidFill>
+              <a:schemeClr val="tx1"/>
+            </a:solidFill>
+            <a:prstDash val="solid"/>
+            <a:round/>
+            <a:headEnd type="none" w="med" len="med"/>
+            <a:tailEnd type="none" w="med" len="med"/>
+          </a:ln>
+        </p:spPr>
+        <p:style>
+          <a:lnRef idx="1">
+            <a:schemeClr val="accent1"/>
+          </a:lnRef>
+          <a:fillRef idx="3">
+            <a:schemeClr val="accent1"/>
+          </a:fillRef>
+          <a:effectRef idx="2">
+            <a:schemeClr val="accent1"/>
+          </a:effectRef>
+          <a:fontRef idx="minor">
+            <a:schemeClr val="lt1"/>
+          </a:fontRef>
+        </p:style>
+        <p:txBody>
+          <a:bodyPr rtlCol="0" anchor="ctr"/>
+          <a:lstStyle/>
+          <a:p>
+            <a:pPr algn="ctr"/>
+            <a:endParaRPr lang="fi-FI">
+              <a:solidFill>
+                <a:schemeClr val="tx1"/>
+              </a:solidFill>
+            </a:endParaRPr>
+          </a:p>
+        </p:txBody>
+      </p:sp>
+      <p:sp>
+        <p:nvSpPr>
+          <p:cNvPr id="7" name="Tekstiruutu 6"/>
+          <p:cNvSpPr txBox="1"/>
+          <p:nvPr/>
+        </p:nvSpPr>
+        <p:spPr>
+          <a:xfrm>
+            <a:off x="6534992" y="1600200"/>
+            <a:ext cx="1581483" cy="338554"/>
+          </a:xfrm>
+          <a:prstGeom prst="rect">
+            <a:avLst/>
+          </a:prstGeom>
+          <a:noFill/>
+        </p:spPr>
+        <p:txBody>
+          <a:bodyPr wrap="none" rtlCol="0">
+            <a:spAutoFit/>
+          </a:bodyPr>
+          <a:lstStyle/>
+          <a:p>
+            <a:pPr algn="ctr"/>
+            <a:r>
+              <a:rPr lang="fi-FI" sz="1600" dirty="0" err="1" smtClean="0"/>
+              <a:t>Device</a:t>
+            </a:r>
+            <a:r>
+              <a:rPr lang="fi-FI" sz="1600" dirty="0" smtClean="0"/>
+              <a:t> </a:t>
+            </a:r>
+            <a:r>
+              <a:rPr lang="fi-FI" sz="1600" dirty="0" err="1" smtClean="0"/>
+              <a:t>detection</a:t>
+            </a:r>
+            <a:endParaRPr lang="fi-FI" sz="1600" dirty="0"/>
+          </a:p>
+        </p:txBody>
+      </p:sp>
+      <p:sp>
+        <p:nvSpPr>
+          <p:cNvPr id="8" name="Tekstiruutu 7"/>
+          <p:cNvSpPr txBox="1"/>
+          <p:nvPr/>
+        </p:nvSpPr>
+        <p:spPr>
+          <a:xfrm>
+            <a:off x="6128889" y="4572000"/>
+            <a:ext cx="2677424" cy="369332"/>
+          </a:xfrm>
+          <a:prstGeom prst="rect">
+            <a:avLst/>
+          </a:prstGeom>
+          <a:noFill/>
+        </p:spPr>
+        <p:txBody>
+          <a:bodyPr wrap="square" rtlCol="0">
+            <a:spAutoFit/>
+          </a:bodyPr>
+          <a:lstStyle/>
+          <a:p>
+            <a:pPr algn="ctr"/>
+            <a:r>
+              <a:rPr lang="fi-FI" dirty="0" err="1" smtClean="0"/>
+              <a:t>Same</a:t>
+            </a:r>
+            <a:r>
+              <a:rPr lang="fi-FI" dirty="0" smtClean="0"/>
+              <a:t> </a:t>
+            </a:r>
+            <a:r>
+              <a:rPr lang="fi-FI" dirty="0" err="1" smtClean="0"/>
+              <a:t>content</a:t>
+            </a:r>
+            <a:r>
+              <a:rPr lang="fi-FI" dirty="0" smtClean="0"/>
+              <a:t> </a:t>
+            </a:r>
+            <a:r>
+              <a:rPr lang="fi-FI" dirty="0" err="1" smtClean="0"/>
+              <a:t>page</a:t>
+            </a:r>
+            <a:endParaRPr lang="fi-FI" dirty="0" smtClean="0"/>
+          </a:p>
+        </p:txBody>
+      </p:sp>
+      <p:sp>
+        <p:nvSpPr>
+          <p:cNvPr id="9" name="Tekstiruutu 8"/>
+          <p:cNvSpPr txBox="1"/>
+          <p:nvPr/>
+        </p:nvSpPr>
+        <p:spPr>
+          <a:xfrm>
+            <a:off x="522976" y="4800600"/>
+            <a:ext cx="2677424" cy="369332"/>
+          </a:xfrm>
+          <a:prstGeom prst="rect">
+            <a:avLst/>
+          </a:prstGeom>
+          <a:noFill/>
+        </p:spPr>
+        <p:txBody>
+          <a:bodyPr wrap="square" rtlCol="0">
+            <a:spAutoFit/>
+          </a:bodyPr>
+          <a:lstStyle/>
+          <a:p>
+            <a:pPr algn="ctr"/>
+            <a:r>
+              <a:rPr lang="fi-FI" dirty="0" err="1" smtClean="0"/>
+              <a:t>Opt</a:t>
+            </a:r>
+            <a:r>
+              <a:rPr lang="fi-FI" dirty="0" smtClean="0"/>
+              <a:t> </a:t>
+            </a:r>
+            <a:r>
+              <a:rPr lang="fi-FI" dirty="0" smtClean="0"/>
+              <a:t>in </a:t>
+            </a:r>
+            <a:r>
+              <a:rPr lang="fi-FI" dirty="0" smtClean="0"/>
+              <a:t>to desktop version</a:t>
+            </a:r>
+            <a:endParaRPr lang="fi-FI" dirty="0" smtClean="0"/>
+          </a:p>
+        </p:txBody>
+      </p:sp>
+      <p:sp>
+        <p:nvSpPr>
+          <p:cNvPr id="11" name="Tekstiruutu 10"/>
+          <p:cNvSpPr txBox="1"/>
+          <p:nvPr/>
+        </p:nvSpPr>
+        <p:spPr>
+          <a:xfrm>
+            <a:off x="0" y="1417638"/>
+            <a:ext cx="2677424" cy="369332"/>
+          </a:xfrm>
+          <a:prstGeom prst="rect">
+            <a:avLst/>
+          </a:prstGeom>
+          <a:noFill/>
+        </p:spPr>
+        <p:txBody>
+          <a:bodyPr wrap="square" rtlCol="0">
+            <a:spAutoFit/>
+          </a:bodyPr>
+          <a:lstStyle/>
+          <a:p>
+            <a:pPr algn="ctr"/>
+            <a:r>
+              <a:rPr lang="fi-FI" dirty="0" err="1" smtClean="0"/>
+              <a:t>Stay</a:t>
+            </a:r>
+            <a:r>
+              <a:rPr lang="fi-FI" dirty="0" smtClean="0"/>
+              <a:t> </a:t>
+            </a:r>
+            <a:r>
+              <a:rPr lang="fi-FI" smtClean="0"/>
+              <a:t>on desktop version</a:t>
+            </a:r>
+            <a:endParaRPr lang="fi-FI" dirty="0" smtClean="0"/>
+          </a:p>
+        </p:txBody>
+      </p:sp>
+    </p:spTree>
+  </p:cSld>
+  <p:clrMapOvr>
+    <a:masterClrMapping/>
+  </p:clrMapOvr>
+  <p:timing>
+    <p:tnLst>
+      <p:par>
+        <p:cTn id="1" dur="indefinite" restart="never" nodeType="tmRoot"/>
+      </p:par>
+    </p:tnLst>
+  </p:timing>
+</p:sld>
+</file>
+
+<file path=ppt/slides/slide5.xml><?xml version="1.0" encoding="utf-8"?>
 <p:sld xmlns:a="http://schemas.openxmlformats.org/drawingml/2006/main" xmlns:r="http://schemas.openxmlformats.org/officeDocument/2006/relationships" xmlns:mc="http://schemas.openxmlformats.org/markup-compatibility/2006" xmlns:mv="urn:schemas-microsoft-com:mac:vml" xmlns:p="http://schemas.openxmlformats.org/presentationml/2006/main" mc:Ignorable="mv" mc:PreserveAttributes="mv:*">
   <p:cSld>
     <p:bg>
@@ -5342,14 +5846,7 @@
                 <a:latin typeface="Arial"/>
                 <a:cs typeface="Arial"/>
               </a:rPr>
-              <a:t>p</a:t>
-            </a:r>
-            <a:r>
-              <a:rPr lang="en-US" dirty="0" smtClean="0">
-                <a:latin typeface="Arial"/>
-                <a:cs typeface="Arial"/>
-              </a:rPr>
-              <a:t>ublish web</a:t>
+              <a:t>publish web</a:t>
             </a:r>
             <a:endParaRPr lang="en-US" dirty="0">
               <a:latin typeface="Arial"/>
@@ -5409,14 +5906,7 @@
                 <a:latin typeface="Arial"/>
                 <a:cs typeface="Arial"/>
               </a:rPr>
-              <a:t>p</a:t>
-            </a:r>
-            <a:r>
-              <a:rPr lang="en-US" dirty="0" smtClean="0">
-                <a:latin typeface="Arial"/>
-                <a:cs typeface="Arial"/>
-              </a:rPr>
-              <a:t>ublish mobile</a:t>
+              <a:t>publish mobile</a:t>
             </a:r>
             <a:endParaRPr lang="en-US" dirty="0">
               <a:latin typeface="Arial"/>
@@ -5571,14 +6061,7 @@
                 <a:latin typeface="Arial"/>
                 <a:cs typeface="Arial"/>
               </a:rPr>
-              <a:t>p</a:t>
-            </a:r>
-            <a:r>
-              <a:rPr lang="en-US" dirty="0" smtClean="0">
-                <a:latin typeface="Arial"/>
-                <a:cs typeface="Arial"/>
-              </a:rPr>
-              <a:t>ublish </a:t>
+              <a:t>publish </a:t>
             </a:r>
           </a:p>
           <a:p>
